--- a/algo1.pptx
+++ b/algo1.pptx
@@ -6,6 +6,7 @@
   </p:sldMasterIdLst>
   <p:sldIdLst>
     <p:sldId id="256" r:id="rId2"/>
+    <p:sldId id="257" r:id="rId3"/>
   </p:sldIdLst>
   <p:sldSz cx="12192000" cy="6858000"/>
   <p:notesSz cx="6858000" cy="9144000"/>
@@ -4421,7 +4422,7 @@
         <p:spPr>
           <a:xfrm>
             <a:off x="9613074" y="447681"/>
-            <a:ext cx="2479965" cy="2862322"/>
+            <a:ext cx="2479965" cy="4524315"/>
           </a:xfrm>
           <a:prstGeom prst="rect">
             <a:avLst/>
@@ -4459,6 +4460,48 @@
             </a:r>
           </a:p>
           <a:p>
+            <a:r>
+              <a:rPr lang="fr-FR" dirty="0" err="1">
+                <a:latin typeface="Whitney"/>
+              </a:rPr>
+              <a:t>nLog</a:t>
+            </a:r>
+            <a:r>
+              <a:rPr lang="fr-FR" dirty="0">
+                <a:latin typeface="Whitney"/>
+              </a:rPr>
+              <a:t>(n)=1/</a:t>
+            </a:r>
+            <a:r>
+              <a:rPr lang="fr-FR" b="0" i="0" dirty="0">
+                <a:effectLst/>
+                <a:latin typeface="Whitney"/>
+              </a:rPr>
+              <a:t> 10^-7</a:t>
+            </a:r>
+          </a:p>
+          <a:p>
+            <a:r>
+              <a:rPr lang="fr-FR" dirty="0" err="1">
+                <a:latin typeface="Whitney"/>
+              </a:rPr>
+              <a:t>nLog</a:t>
+            </a:r>
+            <a:r>
+              <a:rPr lang="fr-FR" dirty="0">
+                <a:latin typeface="Whitney"/>
+              </a:rPr>
+              <a:t>(n)=(1/</a:t>
+            </a:r>
+            <a:r>
+              <a:rPr lang="fr-FR" b="0" i="0" dirty="0">
+                <a:effectLst/>
+                <a:latin typeface="Whitney"/>
+              </a:rPr>
+              <a:t> 10^-7)/n </a:t>
+            </a:r>
+          </a:p>
+          <a:p>
             <a:endParaRPr lang="fr-FR" b="0" i="0" dirty="0">
               <a:effectLst/>
               <a:latin typeface="Whitney"/>
@@ -4490,18 +4533,54 @@
             </a:r>
           </a:p>
           <a:p>
+            <a:r>
+              <a:rPr lang="fr-FR" dirty="0" err="1">
+                <a:latin typeface="Whitney"/>
+              </a:rPr>
+              <a:t>nLog</a:t>
+            </a:r>
+            <a:r>
+              <a:rPr lang="fr-FR" dirty="0">
+                <a:latin typeface="Whitney"/>
+              </a:rPr>
+              <a:t>(n)=1/</a:t>
+            </a:r>
+            <a:r>
+              <a:rPr lang="fr-FR" b="0" i="0" dirty="0">
+                <a:effectLst/>
+                <a:latin typeface="Whitney"/>
+              </a:rPr>
+              <a:t> 10^-7 </a:t>
+            </a:r>
+          </a:p>
+          <a:p>
+            <a:r>
+              <a:rPr lang="fr-FR" dirty="0" err="1">
+                <a:latin typeface="Whitney"/>
+              </a:rPr>
+              <a:t>nLog</a:t>
+            </a:r>
+            <a:r>
+              <a:rPr lang="fr-FR" dirty="0">
+                <a:latin typeface="Whitney"/>
+              </a:rPr>
+              <a:t>(n)=(1/</a:t>
+            </a:r>
+            <a:r>
+              <a:rPr lang="fr-FR" b="0" i="0" dirty="0">
+                <a:effectLst/>
+                <a:latin typeface="Whitney"/>
+              </a:rPr>
+              <a:t> 10^-7)/n </a:t>
+            </a:r>
+          </a:p>
+          <a:p>
             <a:endParaRPr lang="fr-FR" b="0" i="0" dirty="0">
               <a:effectLst/>
               <a:latin typeface="Whitney"/>
             </a:endParaRPr>
           </a:p>
           <a:p>
-            <a:endParaRPr lang="fr-FR" b="0" i="0" dirty="0">
-              <a:effectLst/>
-              <a:latin typeface="Whitney"/>
-            </a:endParaRPr>
-          </a:p>
-          <a:p>
             <a:r>
               <a:rPr lang="fr-FR" b="0" i="0" dirty="0">
                 <a:effectLst/>
@@ -4527,10 +4606,46 @@
             </a:r>
           </a:p>
           <a:p>
-            <a:endParaRPr lang="fr-FR" b="0" i="0" dirty="0">
-              <a:effectLst/>
-              <a:latin typeface="Whitney"/>
-            </a:endParaRPr>
+            <a:r>
+              <a:rPr lang="fr-FR" dirty="0" err="1">
+                <a:latin typeface="Whitney"/>
+              </a:rPr>
+              <a:t>nLog</a:t>
+            </a:r>
+            <a:r>
+              <a:rPr lang="fr-FR" dirty="0">
+                <a:latin typeface="Whitney"/>
+              </a:rPr>
+              <a:t>(n)=1/</a:t>
+            </a:r>
+            <a:r>
+              <a:rPr lang="fr-FR" b="0" i="0" dirty="0">
+                <a:effectLst/>
+                <a:latin typeface="Whitney"/>
+              </a:rPr>
+              <a:t> 10^-7 </a:t>
+            </a:r>
+          </a:p>
+          <a:p>
+            <a:r>
+              <a:rPr lang="fr-FR" dirty="0" err="1">
+                <a:latin typeface="Whitney"/>
+              </a:rPr>
+              <a:t>nLog</a:t>
+            </a:r>
+            <a:r>
+              <a:rPr lang="fr-FR" dirty="0">
+                <a:latin typeface="Whitney"/>
+              </a:rPr>
+              <a:t>(n)=(1/</a:t>
+            </a:r>
+            <a:r>
+              <a:rPr lang="fr-FR" b="0" i="0" dirty="0">
+                <a:effectLst/>
+                <a:latin typeface="Whitney"/>
+              </a:rPr>
+              <a:t> 10^-7)/n </a:t>
+            </a:r>
           </a:p>
           <a:p>
             <a:endParaRPr lang="fr-FR" dirty="0">
@@ -4560,6 +4675,48 @@
                 <a:latin typeface="Whitney"/>
               </a:rPr>
               <a:t>= 86400</a:t>
+            </a:r>
+          </a:p>
+          <a:p>
+            <a:r>
+              <a:rPr lang="fr-FR" dirty="0" err="1">
+                <a:latin typeface="Whitney"/>
+              </a:rPr>
+              <a:t>nLog</a:t>
+            </a:r>
+            <a:r>
+              <a:rPr lang="fr-FR" dirty="0">
+                <a:latin typeface="Whitney"/>
+              </a:rPr>
+              <a:t>(n)=1/</a:t>
+            </a:r>
+            <a:r>
+              <a:rPr lang="fr-FR" b="0" i="0" dirty="0">
+                <a:effectLst/>
+                <a:latin typeface="Whitney"/>
+              </a:rPr>
+              <a:t> 10^-7 </a:t>
+            </a:r>
+          </a:p>
+          <a:p>
+            <a:r>
+              <a:rPr lang="fr-FR" dirty="0" err="1">
+                <a:latin typeface="Whitney"/>
+              </a:rPr>
+              <a:t>nLog</a:t>
+            </a:r>
+            <a:r>
+              <a:rPr lang="fr-FR" dirty="0">
+                <a:latin typeface="Whitney"/>
+              </a:rPr>
+              <a:t>(n)=(1/</a:t>
+            </a:r>
+            <a:r>
+              <a:rPr lang="fr-FR" b="0" i="0" dirty="0">
+                <a:effectLst/>
+                <a:latin typeface="Whitney"/>
+              </a:rPr>
+              <a:t> 10^-7)/n </a:t>
             </a:r>
           </a:p>
           <a:p>
@@ -4571,6 +4728,84 @@
     <p:extLst>
       <p:ext uri="{BB962C8B-B14F-4D97-AF65-F5344CB8AC3E}">
         <p14:creationId xmlns:p14="http://schemas.microsoft.com/office/powerpoint/2010/main" val="660316146"/>
+      </p:ext>
+    </p:extLst>
+  </p:cSld>
+  <p:clrMapOvr>
+    <a:masterClrMapping/>
+  </p:clrMapOvr>
+</p:sld>
+</file>
+
+<file path=ppt/slides/slide2.xml><?xml version="1.0" encoding="utf-8"?>
+<p:sld xmlns:a="http://schemas.openxmlformats.org/drawingml/2006/main" xmlns:r="http://schemas.openxmlformats.org/officeDocument/2006/relationships" xmlns:p="http://schemas.openxmlformats.org/presentationml/2006/main">
+  <p:cSld>
+    <p:spTree>
+      <p:nvGrpSpPr>
+        <p:cNvPr id="1" name=""/>
+        <p:cNvGrpSpPr/>
+        <p:nvPr/>
+      </p:nvGrpSpPr>
+      <p:grpSpPr>
+        <a:xfrm>
+          <a:off x="0" y="0"/>
+          <a:ext cx="0" cy="0"/>
+          <a:chOff x="0" y="0"/>
+          <a:chExt cx="0" cy="0"/>
+        </a:xfrm>
+      </p:grpSpPr>
+      <p:sp>
+        <p:nvSpPr>
+          <p:cNvPr id="4" name="ZoneTexte 3">
+            <a:extLst>
+              <a:ext uri="{FF2B5EF4-FFF2-40B4-BE49-F238E27FC236}">
+                <a16:creationId xmlns:a16="http://schemas.microsoft.com/office/drawing/2014/main" id="{85048952-31BB-4B38-B87B-29D90CBBAA19}"/>
+              </a:ext>
+            </a:extLst>
+          </p:cNvPr>
+          <p:cNvSpPr txBox="1"/>
+          <p:nvPr/>
+        </p:nvSpPr>
+        <p:spPr>
+          <a:xfrm>
+            <a:off x="0" y="2351314"/>
+            <a:ext cx="12191999" cy="1200329"/>
+          </a:xfrm>
+          <a:prstGeom prst="rect">
+            <a:avLst/>
+          </a:prstGeom>
+          <a:noFill/>
+        </p:spPr>
+        <p:txBody>
+          <a:bodyPr wrap="square" rtlCol="0">
+            <a:spAutoFit/>
+          </a:bodyPr>
+          <a:lstStyle/>
+          <a:p>
+            <a:r>
+              <a:rPr lang="pt-BR" sz="3600" b="0" i="0" dirty="0">
+                <a:effectLst/>
+                <a:latin typeface="Whitney"/>
+              </a:rPr>
+              <a:t>(n2 – 3n -1 ) / (n+1) = O(n2) </a:t>
+            </a:r>
+          </a:p>
+          <a:p>
+            <a:r>
+              <a:rPr lang="pt-BR" sz="3600" b="0" i="0" dirty="0">
+                <a:effectLst/>
+                <a:latin typeface="Whitney"/>
+              </a:rPr>
+              <a:t>(n log(n) +n² + log(n)²)/ (n+1) = O(log(n)²)</a:t>
+            </a:r>
+            <a:endParaRPr lang="fr-FR" sz="3600" dirty="0"/>
+          </a:p>
+        </p:txBody>
+      </p:sp>
+    </p:spTree>
+    <p:extLst>
+      <p:ext uri="{BB962C8B-B14F-4D97-AF65-F5344CB8AC3E}">
+        <p14:creationId xmlns:p14="http://schemas.microsoft.com/office/powerpoint/2010/main" val="3061587732"/>
       </p:ext>
     </p:extLst>
   </p:cSld>
